--- a/database/slides/TAKE_AND_EAT.pptx
+++ b/database/slides/TAKE_AND_EAT.pptx
@@ -16184,7 +16184,13 @@
       </p:sp>
       <p:sp>
         <p:nvSpPr>
-          <p:cNvPr id="131" name="Google Shape;131;p25"/>
+          <p:cNvPr id="2" name="Google Shape;131;p25">
+            <a:extLst>
+              <a:ext uri="{FF2B5EF4-FFF2-40B4-BE49-F238E27FC236}">
+                <a16:creationId xmlns:a16="http://schemas.microsoft.com/office/drawing/2014/main" id="{21C393D7-6B30-336F-4CAD-CC372C274DD1}"/>
+              </a:ext>
+            </a:extLst>
+          </p:cNvPr>
           <p:cNvSpPr txBox="1"/>
           <p:nvPr/>
         </p:nvSpPr>
@@ -16207,11 +16213,19 @@
           </a:bodyPr>
           <a:lstStyle/>
           <a:p>
-            <a:pPr>
+            <a:pPr marL="0" lvl="0" indent="0" algn="l" rtl="0">
+              <a:spcBef>
+                <a:spcPts val="0"/>
+              </a:spcBef>
+              <a:spcAft>
+                <a:spcPts val="0"/>
+              </a:spcAft>
               <a:buClr>
                 <a:schemeClr val="lt1"/>
               </a:buClr>
               <a:buSzPts val="3200"/>
+              <a:buFont typeface="Arial"/>
+              <a:buNone/>
             </a:pPr>
             <a:r>
               <a:rPr lang="en-GB" sz="3600" b="1" i="1" dirty="0">
@@ -16225,7 +16239,7 @@
               </a:rPr>
               <a:t>contd..</a:t>
             </a:r>
-            <a:endParaRPr lang="en-GB" sz="3600" dirty="0">
+            <a:endParaRPr sz="3600" dirty="0">
               <a:latin typeface="Calibri"/>
               <a:ea typeface="Calibri"/>
               <a:cs typeface="Calibri"/>
@@ -16567,7 +16581,13 @@
       </p:sp>
       <p:sp>
         <p:nvSpPr>
-          <p:cNvPr id="131" name="Google Shape;131;p25"/>
+          <p:cNvPr id="2" name="Google Shape;131;p25">
+            <a:extLst>
+              <a:ext uri="{FF2B5EF4-FFF2-40B4-BE49-F238E27FC236}">
+                <a16:creationId xmlns:a16="http://schemas.microsoft.com/office/drawing/2014/main" id="{A420D812-BDF7-37BC-F0CE-6EEBD47039D4}"/>
+              </a:ext>
+            </a:extLst>
+          </p:cNvPr>
           <p:cNvSpPr txBox="1"/>
           <p:nvPr/>
         </p:nvSpPr>
@@ -16590,11 +16610,19 @@
           </a:bodyPr>
           <a:lstStyle/>
           <a:p>
-            <a:pPr>
+            <a:pPr marL="0" lvl="0" indent="0" algn="l" rtl="0">
+              <a:spcBef>
+                <a:spcPts val="0"/>
+              </a:spcBef>
+              <a:spcAft>
+                <a:spcPts val="0"/>
+              </a:spcAft>
               <a:buClr>
                 <a:schemeClr val="lt1"/>
               </a:buClr>
               <a:buSzPts val="3200"/>
+              <a:buFont typeface="Arial"/>
+              <a:buNone/>
             </a:pPr>
             <a:r>
               <a:rPr lang="en-GB" sz="3600" b="1" i="1" dirty="0">
@@ -16608,7 +16636,7 @@
               </a:rPr>
               <a:t>contd..</a:t>
             </a:r>
-            <a:endParaRPr lang="en-GB" sz="3600" dirty="0">
+            <a:endParaRPr sz="3600" dirty="0">
               <a:latin typeface="Calibri"/>
               <a:ea typeface="Calibri"/>
               <a:cs typeface="Calibri"/>
@@ -16978,7 +17006,13 @@
       </p:sp>
       <p:sp>
         <p:nvSpPr>
-          <p:cNvPr id="131" name="Google Shape;131;p25"/>
+          <p:cNvPr id="2" name="Google Shape;131;p25">
+            <a:extLst>
+              <a:ext uri="{FF2B5EF4-FFF2-40B4-BE49-F238E27FC236}">
+                <a16:creationId xmlns:a16="http://schemas.microsoft.com/office/drawing/2014/main" id="{C7724CB3-A9DC-49E5-0F62-885B0F148162}"/>
+              </a:ext>
+            </a:extLst>
+          </p:cNvPr>
           <p:cNvSpPr txBox="1"/>
           <p:nvPr/>
         </p:nvSpPr>
@@ -17001,11 +17035,19 @@
           </a:bodyPr>
           <a:lstStyle/>
           <a:p>
-            <a:pPr>
+            <a:pPr marL="0" lvl="0" indent="0" algn="l" rtl="0">
+              <a:spcBef>
+                <a:spcPts val="0"/>
+              </a:spcBef>
+              <a:spcAft>
+                <a:spcPts val="0"/>
+              </a:spcAft>
               <a:buClr>
                 <a:schemeClr val="lt1"/>
               </a:buClr>
               <a:buSzPts val="3200"/>
+              <a:buFont typeface="Arial"/>
+              <a:buNone/>
             </a:pPr>
             <a:r>
               <a:rPr lang="en-GB" sz="3600" b="1" i="1" dirty="0">
@@ -17019,7 +17061,7 @@
               </a:rPr>
               <a:t>contd..</a:t>
             </a:r>
-            <a:endParaRPr lang="en-GB" sz="3600" dirty="0">
+            <a:endParaRPr sz="3600" dirty="0">
               <a:latin typeface="Calibri"/>
               <a:ea typeface="Calibri"/>
               <a:cs typeface="Calibri"/>
@@ -17361,7 +17403,13 @@
       </p:sp>
       <p:sp>
         <p:nvSpPr>
-          <p:cNvPr id="131" name="Google Shape;131;p25"/>
+          <p:cNvPr id="2" name="Google Shape;131;p25">
+            <a:extLst>
+              <a:ext uri="{FF2B5EF4-FFF2-40B4-BE49-F238E27FC236}">
+                <a16:creationId xmlns:a16="http://schemas.microsoft.com/office/drawing/2014/main" id="{255BDE2E-CE95-481E-A9B5-476E6F64F670}"/>
+              </a:ext>
+            </a:extLst>
+          </p:cNvPr>
           <p:cNvSpPr txBox="1"/>
           <p:nvPr/>
         </p:nvSpPr>
@@ -17384,11 +17432,19 @@
           </a:bodyPr>
           <a:lstStyle/>
           <a:p>
-            <a:pPr>
+            <a:pPr marL="0" lvl="0" indent="0" algn="l" rtl="0">
+              <a:spcBef>
+                <a:spcPts val="0"/>
+              </a:spcBef>
+              <a:spcAft>
+                <a:spcPts val="0"/>
+              </a:spcAft>
               <a:buClr>
                 <a:schemeClr val="lt1"/>
               </a:buClr>
               <a:buSzPts val="3200"/>
+              <a:buFont typeface="Arial"/>
+              <a:buNone/>
             </a:pPr>
             <a:r>
               <a:rPr lang="en-GB" sz="3600" b="1" i="1" dirty="0">
@@ -17402,7 +17458,7 @@
               </a:rPr>
               <a:t>contd..</a:t>
             </a:r>
-            <a:endParaRPr lang="en-GB" sz="3600" dirty="0">
+            <a:endParaRPr sz="3600" dirty="0">
               <a:latin typeface="Calibri"/>
               <a:ea typeface="Calibri"/>
               <a:cs typeface="Calibri"/>
